--- a/ppt 16-9/1248.好时光.pptx
+++ b/ppt 16-9/1248.好时光.pptx
@@ -129,7 +129,7 @@
           <p:cNvPr id="2" name="标题 1">
             <a:extLst>
               <a:ext uri="{FF2B5EF4-FFF2-40B4-BE49-F238E27FC236}">
-                <a16:creationId xmlns:a16="http://schemas.microsoft.com/office/drawing/2014/main" id="{4B4CC453-FACC-4FBE-9334-758F452C772E}"/>
+                <a16:creationId xmlns:a16="http://schemas.microsoft.com/office/drawing/2014/main" id="{A2E31FB0-AEE1-2FF8-0DEB-0F69636112C5}"/>
               </a:ext>
             </a:extLst>
           </p:cNvPr>
@@ -166,7 +166,7 @@
           <p:cNvPr id="3" name="副标题 2">
             <a:extLst>
               <a:ext uri="{FF2B5EF4-FFF2-40B4-BE49-F238E27FC236}">
-                <a16:creationId xmlns:a16="http://schemas.microsoft.com/office/drawing/2014/main" id="{A1CF6755-4F48-29F5-E6E8-2B3E9F0CDF6D}"/>
+                <a16:creationId xmlns:a16="http://schemas.microsoft.com/office/drawing/2014/main" id="{61AAA2F9-E84B-A49D-0BDC-8B04239B924D}"/>
               </a:ext>
             </a:extLst>
           </p:cNvPr>
@@ -236,7 +236,7 @@
           <p:cNvPr id="4" name="日期占位符 3">
             <a:extLst>
               <a:ext uri="{FF2B5EF4-FFF2-40B4-BE49-F238E27FC236}">
-                <a16:creationId xmlns:a16="http://schemas.microsoft.com/office/drawing/2014/main" id="{5AFE64B5-5AD9-BEFA-1FBE-370763712F44}"/>
+                <a16:creationId xmlns:a16="http://schemas.microsoft.com/office/drawing/2014/main" id="{6CAEA914-9D0D-A6C8-11B8-3FF7E3149819}"/>
               </a:ext>
             </a:extLst>
           </p:cNvPr>
@@ -252,7 +252,7 @@
           <a:bodyPr/>
           <a:lstStyle/>
           <a:p>
-            <a:fld id="{21B7CADE-1D0F-45F4-B385-B24C7E0DC205}" type="datetimeFigureOut">
+            <a:fld id="{795F9B1A-A308-425F-9D72-C1DC40B5A37B}" type="datetimeFigureOut">
               <a:rPr lang="zh-CN" altLang="en-US" smtClean="0"/>
               <a:t>2024/3/10</a:t>
             </a:fld>
@@ -265,7 +265,7 @@
           <p:cNvPr id="5" name="页脚占位符 4">
             <a:extLst>
               <a:ext uri="{FF2B5EF4-FFF2-40B4-BE49-F238E27FC236}">
-                <a16:creationId xmlns:a16="http://schemas.microsoft.com/office/drawing/2014/main" id="{838F441F-C0C8-F564-38C1-CF6323E46CE7}"/>
+                <a16:creationId xmlns:a16="http://schemas.microsoft.com/office/drawing/2014/main" id="{085A6395-AEF0-4A08-9EB2-B4CEC9B82153}"/>
               </a:ext>
             </a:extLst>
           </p:cNvPr>
@@ -290,7 +290,7 @@
           <p:cNvPr id="6" name="灯片编号占位符 5">
             <a:extLst>
               <a:ext uri="{FF2B5EF4-FFF2-40B4-BE49-F238E27FC236}">
-                <a16:creationId xmlns:a16="http://schemas.microsoft.com/office/drawing/2014/main" id="{D4CFD85F-7010-E618-139B-297ED5DBB3AA}"/>
+                <a16:creationId xmlns:a16="http://schemas.microsoft.com/office/drawing/2014/main" id="{745F3A25-BF31-0E5B-4A99-0B6BFBBD5DF6}"/>
               </a:ext>
             </a:extLst>
           </p:cNvPr>
@@ -306,7 +306,7 @@
           <a:bodyPr/>
           <a:lstStyle/>
           <a:p>
-            <a:fld id="{710D71B9-93ED-4825-A76A-19955639E3F6}" type="slidenum">
+            <a:fld id="{65253451-FFDD-4E34-BA91-37B4EA14E19B}" type="slidenum">
               <a:rPr lang="zh-CN" altLang="en-US" smtClean="0"/>
               <a:t>‹#›</a:t>
             </a:fld>
@@ -317,7 +317,7 @@
     </p:spTree>
     <p:extLst>
       <p:ext uri="{BB962C8B-B14F-4D97-AF65-F5344CB8AC3E}">
-        <p14:creationId xmlns:p14="http://schemas.microsoft.com/office/powerpoint/2010/main" val="264669907"/>
+        <p14:creationId xmlns:p14="http://schemas.microsoft.com/office/powerpoint/2010/main" val="2794196015"/>
       </p:ext>
     </p:extLst>
   </p:cSld>
@@ -349,7 +349,7 @@
           <p:cNvPr id="2" name="标题 1">
             <a:extLst>
               <a:ext uri="{FF2B5EF4-FFF2-40B4-BE49-F238E27FC236}">
-                <a16:creationId xmlns:a16="http://schemas.microsoft.com/office/drawing/2014/main" id="{19F3353D-FE34-8FB3-DC77-F8C13B5C2F2D}"/>
+                <a16:creationId xmlns:a16="http://schemas.microsoft.com/office/drawing/2014/main" id="{9FF3EA23-ADAE-7A32-1D97-8527268FA65F}"/>
               </a:ext>
             </a:extLst>
           </p:cNvPr>
@@ -377,7 +377,7 @@
           <p:cNvPr id="3" name="竖排文字占位符 2">
             <a:extLst>
               <a:ext uri="{FF2B5EF4-FFF2-40B4-BE49-F238E27FC236}">
-                <a16:creationId xmlns:a16="http://schemas.microsoft.com/office/drawing/2014/main" id="{A3A3AB7C-20A3-1D3F-923D-DE72B5C2B54A}"/>
+                <a16:creationId xmlns:a16="http://schemas.microsoft.com/office/drawing/2014/main" id="{E3E4E57E-1EAB-89B0-6FED-0E6A5D6FA4AF}"/>
               </a:ext>
             </a:extLst>
           </p:cNvPr>
@@ -434,7 +434,7 @@
           <p:cNvPr id="4" name="日期占位符 3">
             <a:extLst>
               <a:ext uri="{FF2B5EF4-FFF2-40B4-BE49-F238E27FC236}">
-                <a16:creationId xmlns:a16="http://schemas.microsoft.com/office/drawing/2014/main" id="{E32A8FAB-9F93-0516-3C7A-9D827FE73699}"/>
+                <a16:creationId xmlns:a16="http://schemas.microsoft.com/office/drawing/2014/main" id="{B2251DFE-D61B-380F-5D8C-9875D251F5D1}"/>
               </a:ext>
             </a:extLst>
           </p:cNvPr>
@@ -450,7 +450,7 @@
           <a:bodyPr/>
           <a:lstStyle/>
           <a:p>
-            <a:fld id="{21B7CADE-1D0F-45F4-B385-B24C7E0DC205}" type="datetimeFigureOut">
+            <a:fld id="{795F9B1A-A308-425F-9D72-C1DC40B5A37B}" type="datetimeFigureOut">
               <a:rPr lang="zh-CN" altLang="en-US" smtClean="0"/>
               <a:t>2024/3/10</a:t>
             </a:fld>
@@ -463,7 +463,7 @@
           <p:cNvPr id="5" name="页脚占位符 4">
             <a:extLst>
               <a:ext uri="{FF2B5EF4-FFF2-40B4-BE49-F238E27FC236}">
-                <a16:creationId xmlns:a16="http://schemas.microsoft.com/office/drawing/2014/main" id="{7283B94D-EBDC-81B0-D8DF-3857E5B472C9}"/>
+                <a16:creationId xmlns:a16="http://schemas.microsoft.com/office/drawing/2014/main" id="{1FD5C5AE-1CB2-776B-698B-5A346EBDB26D}"/>
               </a:ext>
             </a:extLst>
           </p:cNvPr>
@@ -488,7 +488,7 @@
           <p:cNvPr id="6" name="灯片编号占位符 5">
             <a:extLst>
               <a:ext uri="{FF2B5EF4-FFF2-40B4-BE49-F238E27FC236}">
-                <a16:creationId xmlns:a16="http://schemas.microsoft.com/office/drawing/2014/main" id="{862C4BDE-1E96-6EFB-C65E-5889B769DB6C}"/>
+                <a16:creationId xmlns:a16="http://schemas.microsoft.com/office/drawing/2014/main" id="{C13FD495-310D-5234-1501-38D7929BF1EE}"/>
               </a:ext>
             </a:extLst>
           </p:cNvPr>
@@ -504,7 +504,7 @@
           <a:bodyPr/>
           <a:lstStyle/>
           <a:p>
-            <a:fld id="{710D71B9-93ED-4825-A76A-19955639E3F6}" type="slidenum">
+            <a:fld id="{65253451-FFDD-4E34-BA91-37B4EA14E19B}" type="slidenum">
               <a:rPr lang="zh-CN" altLang="en-US" smtClean="0"/>
               <a:t>‹#›</a:t>
             </a:fld>
@@ -515,7 +515,7 @@
     </p:spTree>
     <p:extLst>
       <p:ext uri="{BB962C8B-B14F-4D97-AF65-F5344CB8AC3E}">
-        <p14:creationId xmlns:p14="http://schemas.microsoft.com/office/powerpoint/2010/main" val="1624040500"/>
+        <p14:creationId xmlns:p14="http://schemas.microsoft.com/office/powerpoint/2010/main" val="1205750105"/>
       </p:ext>
     </p:extLst>
   </p:cSld>
@@ -547,7 +547,7 @@
           <p:cNvPr id="2" name="竖排标题 1">
             <a:extLst>
               <a:ext uri="{FF2B5EF4-FFF2-40B4-BE49-F238E27FC236}">
-                <a16:creationId xmlns:a16="http://schemas.microsoft.com/office/drawing/2014/main" id="{E3298BA4-36D7-F569-BDA6-7ABFAAA6F02B}"/>
+                <a16:creationId xmlns:a16="http://schemas.microsoft.com/office/drawing/2014/main" id="{34B81466-4992-9957-5E7B-09F35B00A692}"/>
               </a:ext>
             </a:extLst>
           </p:cNvPr>
@@ -580,7 +580,7 @@
           <p:cNvPr id="3" name="竖排文字占位符 2">
             <a:extLst>
               <a:ext uri="{FF2B5EF4-FFF2-40B4-BE49-F238E27FC236}">
-                <a16:creationId xmlns:a16="http://schemas.microsoft.com/office/drawing/2014/main" id="{3604D64F-8304-D12E-11FC-4BD1BCEF0790}"/>
+                <a16:creationId xmlns:a16="http://schemas.microsoft.com/office/drawing/2014/main" id="{B51F5A34-29AB-AABD-467D-EB35CE166523}"/>
               </a:ext>
             </a:extLst>
           </p:cNvPr>
@@ -642,7 +642,7 @@
           <p:cNvPr id="4" name="日期占位符 3">
             <a:extLst>
               <a:ext uri="{FF2B5EF4-FFF2-40B4-BE49-F238E27FC236}">
-                <a16:creationId xmlns:a16="http://schemas.microsoft.com/office/drawing/2014/main" id="{BBB24402-7386-08A4-9CD2-2817E0841C5C}"/>
+                <a16:creationId xmlns:a16="http://schemas.microsoft.com/office/drawing/2014/main" id="{068BF140-15F4-A711-E9BB-0D8E5C79B00B}"/>
               </a:ext>
             </a:extLst>
           </p:cNvPr>
@@ -658,7 +658,7 @@
           <a:bodyPr/>
           <a:lstStyle/>
           <a:p>
-            <a:fld id="{21B7CADE-1D0F-45F4-B385-B24C7E0DC205}" type="datetimeFigureOut">
+            <a:fld id="{795F9B1A-A308-425F-9D72-C1DC40B5A37B}" type="datetimeFigureOut">
               <a:rPr lang="zh-CN" altLang="en-US" smtClean="0"/>
               <a:t>2024/3/10</a:t>
             </a:fld>
@@ -671,7 +671,7 @@
           <p:cNvPr id="5" name="页脚占位符 4">
             <a:extLst>
               <a:ext uri="{FF2B5EF4-FFF2-40B4-BE49-F238E27FC236}">
-                <a16:creationId xmlns:a16="http://schemas.microsoft.com/office/drawing/2014/main" id="{D39055FC-381D-5F4B-0E2A-42A95970FADA}"/>
+                <a16:creationId xmlns:a16="http://schemas.microsoft.com/office/drawing/2014/main" id="{6E3CBF42-1263-F907-C4B5-85593AE5AAD6}"/>
               </a:ext>
             </a:extLst>
           </p:cNvPr>
@@ -696,7 +696,7 @@
           <p:cNvPr id="6" name="灯片编号占位符 5">
             <a:extLst>
               <a:ext uri="{FF2B5EF4-FFF2-40B4-BE49-F238E27FC236}">
-                <a16:creationId xmlns:a16="http://schemas.microsoft.com/office/drawing/2014/main" id="{2DD73737-450B-B30C-06A9-E30A04B8C9D9}"/>
+                <a16:creationId xmlns:a16="http://schemas.microsoft.com/office/drawing/2014/main" id="{E9F7DFF8-6D92-8741-EDC3-D9EC0D82DB02}"/>
               </a:ext>
             </a:extLst>
           </p:cNvPr>
@@ -712,7 +712,7 @@
           <a:bodyPr/>
           <a:lstStyle/>
           <a:p>
-            <a:fld id="{710D71B9-93ED-4825-A76A-19955639E3F6}" type="slidenum">
+            <a:fld id="{65253451-FFDD-4E34-BA91-37B4EA14E19B}" type="slidenum">
               <a:rPr lang="zh-CN" altLang="en-US" smtClean="0"/>
               <a:t>‹#›</a:t>
             </a:fld>
@@ -723,7 +723,7 @@
     </p:spTree>
     <p:extLst>
       <p:ext uri="{BB962C8B-B14F-4D97-AF65-F5344CB8AC3E}">
-        <p14:creationId xmlns:p14="http://schemas.microsoft.com/office/powerpoint/2010/main" val="3116496359"/>
+        <p14:creationId xmlns:p14="http://schemas.microsoft.com/office/powerpoint/2010/main" val="3228251032"/>
       </p:ext>
     </p:extLst>
   </p:cSld>
@@ -755,7 +755,7 @@
           <p:cNvPr id="2" name="标题 1">
             <a:extLst>
               <a:ext uri="{FF2B5EF4-FFF2-40B4-BE49-F238E27FC236}">
-                <a16:creationId xmlns:a16="http://schemas.microsoft.com/office/drawing/2014/main" id="{C1E87019-7AF9-841F-2090-B22A9380754B}"/>
+                <a16:creationId xmlns:a16="http://schemas.microsoft.com/office/drawing/2014/main" id="{065223AA-74B9-05E7-B18F-743ABC3E4A4A}"/>
               </a:ext>
             </a:extLst>
           </p:cNvPr>
@@ -783,7 +783,7 @@
           <p:cNvPr id="3" name="内容占位符 2">
             <a:extLst>
               <a:ext uri="{FF2B5EF4-FFF2-40B4-BE49-F238E27FC236}">
-                <a16:creationId xmlns:a16="http://schemas.microsoft.com/office/drawing/2014/main" id="{DF6A8CCF-8CD5-9307-525F-9F0948EC83F9}"/>
+                <a16:creationId xmlns:a16="http://schemas.microsoft.com/office/drawing/2014/main" id="{3DB84F41-025B-5AC4-A00F-F6285A714C85}"/>
               </a:ext>
             </a:extLst>
           </p:cNvPr>
@@ -840,7 +840,7 @@
           <p:cNvPr id="4" name="日期占位符 3">
             <a:extLst>
               <a:ext uri="{FF2B5EF4-FFF2-40B4-BE49-F238E27FC236}">
-                <a16:creationId xmlns:a16="http://schemas.microsoft.com/office/drawing/2014/main" id="{54FD81AA-A90F-5D37-A247-9BC7146B360F}"/>
+                <a16:creationId xmlns:a16="http://schemas.microsoft.com/office/drawing/2014/main" id="{E43CBCC7-3859-50B2-6E32-2287C89C65D1}"/>
               </a:ext>
             </a:extLst>
           </p:cNvPr>
@@ -856,7 +856,7 @@
           <a:bodyPr/>
           <a:lstStyle/>
           <a:p>
-            <a:fld id="{21B7CADE-1D0F-45F4-B385-B24C7E0DC205}" type="datetimeFigureOut">
+            <a:fld id="{795F9B1A-A308-425F-9D72-C1DC40B5A37B}" type="datetimeFigureOut">
               <a:rPr lang="zh-CN" altLang="en-US" smtClean="0"/>
               <a:t>2024/3/10</a:t>
             </a:fld>
@@ -869,7 +869,7 @@
           <p:cNvPr id="5" name="页脚占位符 4">
             <a:extLst>
               <a:ext uri="{FF2B5EF4-FFF2-40B4-BE49-F238E27FC236}">
-                <a16:creationId xmlns:a16="http://schemas.microsoft.com/office/drawing/2014/main" id="{7743309D-E98D-72E9-3876-55C10990C534}"/>
+                <a16:creationId xmlns:a16="http://schemas.microsoft.com/office/drawing/2014/main" id="{B11731B4-5176-DC1F-5F41-DDAA999ABD7E}"/>
               </a:ext>
             </a:extLst>
           </p:cNvPr>
@@ -894,7 +894,7 @@
           <p:cNvPr id="6" name="灯片编号占位符 5">
             <a:extLst>
               <a:ext uri="{FF2B5EF4-FFF2-40B4-BE49-F238E27FC236}">
-                <a16:creationId xmlns:a16="http://schemas.microsoft.com/office/drawing/2014/main" id="{39162502-C840-2F60-7E20-046A236E90E6}"/>
+                <a16:creationId xmlns:a16="http://schemas.microsoft.com/office/drawing/2014/main" id="{0C5F0721-0E99-C6E1-62E6-FC58F9E0FD7C}"/>
               </a:ext>
             </a:extLst>
           </p:cNvPr>
@@ -910,7 +910,7 @@
           <a:bodyPr/>
           <a:lstStyle/>
           <a:p>
-            <a:fld id="{710D71B9-93ED-4825-A76A-19955639E3F6}" type="slidenum">
+            <a:fld id="{65253451-FFDD-4E34-BA91-37B4EA14E19B}" type="slidenum">
               <a:rPr lang="zh-CN" altLang="en-US" smtClean="0"/>
               <a:t>‹#›</a:t>
             </a:fld>
@@ -921,7 +921,7 @@
     </p:spTree>
     <p:extLst>
       <p:ext uri="{BB962C8B-B14F-4D97-AF65-F5344CB8AC3E}">
-        <p14:creationId xmlns:p14="http://schemas.microsoft.com/office/powerpoint/2010/main" val="2529710138"/>
+        <p14:creationId xmlns:p14="http://schemas.microsoft.com/office/powerpoint/2010/main" val="3345612415"/>
       </p:ext>
     </p:extLst>
   </p:cSld>
@@ -953,7 +953,7 @@
           <p:cNvPr id="2" name="标题 1">
             <a:extLst>
               <a:ext uri="{FF2B5EF4-FFF2-40B4-BE49-F238E27FC236}">
-                <a16:creationId xmlns:a16="http://schemas.microsoft.com/office/drawing/2014/main" id="{66B617CC-193D-CD2F-CF54-9320E3BC0609}"/>
+                <a16:creationId xmlns:a16="http://schemas.microsoft.com/office/drawing/2014/main" id="{9ADB979D-28D6-37A5-6E8F-32C9AA56A82F}"/>
               </a:ext>
             </a:extLst>
           </p:cNvPr>
@@ -990,7 +990,7 @@
           <p:cNvPr id="3" name="文本占位符 2">
             <a:extLst>
               <a:ext uri="{FF2B5EF4-FFF2-40B4-BE49-F238E27FC236}">
-                <a16:creationId xmlns:a16="http://schemas.microsoft.com/office/drawing/2014/main" id="{9D02A8E4-2C3A-D617-ECD6-FDE838B07D78}"/>
+                <a16:creationId xmlns:a16="http://schemas.microsoft.com/office/drawing/2014/main" id="{30BD9BD4-82F8-E6AE-C901-9BE2BF80F6F4}"/>
               </a:ext>
             </a:extLst>
           </p:cNvPr>
@@ -1115,7 +1115,7 @@
           <p:cNvPr id="4" name="日期占位符 3">
             <a:extLst>
               <a:ext uri="{FF2B5EF4-FFF2-40B4-BE49-F238E27FC236}">
-                <a16:creationId xmlns:a16="http://schemas.microsoft.com/office/drawing/2014/main" id="{8C634E89-FEF2-0037-4142-27C7AD97A16C}"/>
+                <a16:creationId xmlns:a16="http://schemas.microsoft.com/office/drawing/2014/main" id="{2471C3B2-9AE7-5993-2A40-8F151AC53DF8}"/>
               </a:ext>
             </a:extLst>
           </p:cNvPr>
@@ -1131,7 +1131,7 @@
           <a:bodyPr/>
           <a:lstStyle/>
           <a:p>
-            <a:fld id="{21B7CADE-1D0F-45F4-B385-B24C7E0DC205}" type="datetimeFigureOut">
+            <a:fld id="{795F9B1A-A308-425F-9D72-C1DC40B5A37B}" type="datetimeFigureOut">
               <a:rPr lang="zh-CN" altLang="en-US" smtClean="0"/>
               <a:t>2024/3/10</a:t>
             </a:fld>
@@ -1144,7 +1144,7 @@
           <p:cNvPr id="5" name="页脚占位符 4">
             <a:extLst>
               <a:ext uri="{FF2B5EF4-FFF2-40B4-BE49-F238E27FC236}">
-                <a16:creationId xmlns:a16="http://schemas.microsoft.com/office/drawing/2014/main" id="{EC71D9CF-36A0-2914-F3BD-CAE022077437}"/>
+                <a16:creationId xmlns:a16="http://schemas.microsoft.com/office/drawing/2014/main" id="{B798B245-6324-D9D2-B375-CB04919FA11B}"/>
               </a:ext>
             </a:extLst>
           </p:cNvPr>
@@ -1169,7 +1169,7 @@
           <p:cNvPr id="6" name="灯片编号占位符 5">
             <a:extLst>
               <a:ext uri="{FF2B5EF4-FFF2-40B4-BE49-F238E27FC236}">
-                <a16:creationId xmlns:a16="http://schemas.microsoft.com/office/drawing/2014/main" id="{9F5EE1A5-41B8-87B0-5DEF-3075D0A88A4B}"/>
+                <a16:creationId xmlns:a16="http://schemas.microsoft.com/office/drawing/2014/main" id="{F2DDF847-73E1-314E-DA2C-8A49FD7E9B52}"/>
               </a:ext>
             </a:extLst>
           </p:cNvPr>
@@ -1185,7 +1185,7 @@
           <a:bodyPr/>
           <a:lstStyle/>
           <a:p>
-            <a:fld id="{710D71B9-93ED-4825-A76A-19955639E3F6}" type="slidenum">
+            <a:fld id="{65253451-FFDD-4E34-BA91-37B4EA14E19B}" type="slidenum">
               <a:rPr lang="zh-CN" altLang="en-US" smtClean="0"/>
               <a:t>‹#›</a:t>
             </a:fld>
@@ -1196,7 +1196,7 @@
     </p:spTree>
     <p:extLst>
       <p:ext uri="{BB962C8B-B14F-4D97-AF65-F5344CB8AC3E}">
-        <p14:creationId xmlns:p14="http://schemas.microsoft.com/office/powerpoint/2010/main" val="2535801086"/>
+        <p14:creationId xmlns:p14="http://schemas.microsoft.com/office/powerpoint/2010/main" val="3420950457"/>
       </p:ext>
     </p:extLst>
   </p:cSld>
@@ -1228,7 +1228,7 @@
           <p:cNvPr id="2" name="标题 1">
             <a:extLst>
               <a:ext uri="{FF2B5EF4-FFF2-40B4-BE49-F238E27FC236}">
-                <a16:creationId xmlns:a16="http://schemas.microsoft.com/office/drawing/2014/main" id="{EAA13781-9376-42AA-E0BE-1918A78F3E29}"/>
+                <a16:creationId xmlns:a16="http://schemas.microsoft.com/office/drawing/2014/main" id="{30924CA0-9AF1-B199-83FE-B8899D96C468}"/>
               </a:ext>
             </a:extLst>
           </p:cNvPr>
@@ -1256,7 +1256,7 @@
           <p:cNvPr id="3" name="内容占位符 2">
             <a:extLst>
               <a:ext uri="{FF2B5EF4-FFF2-40B4-BE49-F238E27FC236}">
-                <a16:creationId xmlns:a16="http://schemas.microsoft.com/office/drawing/2014/main" id="{D6710622-5AB8-C104-3139-7163ABFE71C6}"/>
+                <a16:creationId xmlns:a16="http://schemas.microsoft.com/office/drawing/2014/main" id="{9BEF00C4-3725-9E5B-9555-36C527DAAF9F}"/>
               </a:ext>
             </a:extLst>
           </p:cNvPr>
@@ -1318,7 +1318,7 @@
           <p:cNvPr id="4" name="内容占位符 3">
             <a:extLst>
               <a:ext uri="{FF2B5EF4-FFF2-40B4-BE49-F238E27FC236}">
-                <a16:creationId xmlns:a16="http://schemas.microsoft.com/office/drawing/2014/main" id="{E8191081-6180-24E6-6C69-E4DF24453D4B}"/>
+                <a16:creationId xmlns:a16="http://schemas.microsoft.com/office/drawing/2014/main" id="{E232CA63-BC5C-991A-7FC2-BD3F58ED3B39}"/>
               </a:ext>
             </a:extLst>
           </p:cNvPr>
@@ -1380,7 +1380,7 @@
           <p:cNvPr id="5" name="日期占位符 4">
             <a:extLst>
               <a:ext uri="{FF2B5EF4-FFF2-40B4-BE49-F238E27FC236}">
-                <a16:creationId xmlns:a16="http://schemas.microsoft.com/office/drawing/2014/main" id="{F1747F95-66A4-690E-59B9-E065589D8EB8}"/>
+                <a16:creationId xmlns:a16="http://schemas.microsoft.com/office/drawing/2014/main" id="{C774EEC6-62F4-D1C0-158A-28432DB04A75}"/>
               </a:ext>
             </a:extLst>
           </p:cNvPr>
@@ -1396,7 +1396,7 @@
           <a:bodyPr/>
           <a:lstStyle/>
           <a:p>
-            <a:fld id="{21B7CADE-1D0F-45F4-B385-B24C7E0DC205}" type="datetimeFigureOut">
+            <a:fld id="{795F9B1A-A308-425F-9D72-C1DC40B5A37B}" type="datetimeFigureOut">
               <a:rPr lang="zh-CN" altLang="en-US" smtClean="0"/>
               <a:t>2024/3/10</a:t>
             </a:fld>
@@ -1409,7 +1409,7 @@
           <p:cNvPr id="6" name="页脚占位符 5">
             <a:extLst>
               <a:ext uri="{FF2B5EF4-FFF2-40B4-BE49-F238E27FC236}">
-                <a16:creationId xmlns:a16="http://schemas.microsoft.com/office/drawing/2014/main" id="{4E2A9077-9306-CF15-CC3D-F993F55426A0}"/>
+                <a16:creationId xmlns:a16="http://schemas.microsoft.com/office/drawing/2014/main" id="{14453A78-D605-B07F-7555-F14561548A1C}"/>
               </a:ext>
             </a:extLst>
           </p:cNvPr>
@@ -1434,7 +1434,7 @@
           <p:cNvPr id="7" name="灯片编号占位符 6">
             <a:extLst>
               <a:ext uri="{FF2B5EF4-FFF2-40B4-BE49-F238E27FC236}">
-                <a16:creationId xmlns:a16="http://schemas.microsoft.com/office/drawing/2014/main" id="{A7DE7749-81B9-0077-550D-784B2796D5D3}"/>
+                <a16:creationId xmlns:a16="http://schemas.microsoft.com/office/drawing/2014/main" id="{095C1C01-1E3F-5254-0960-588D4461E333}"/>
               </a:ext>
             </a:extLst>
           </p:cNvPr>
@@ -1450,7 +1450,7 @@
           <a:bodyPr/>
           <a:lstStyle/>
           <a:p>
-            <a:fld id="{710D71B9-93ED-4825-A76A-19955639E3F6}" type="slidenum">
+            <a:fld id="{65253451-FFDD-4E34-BA91-37B4EA14E19B}" type="slidenum">
               <a:rPr lang="zh-CN" altLang="en-US" smtClean="0"/>
               <a:t>‹#›</a:t>
             </a:fld>
@@ -1461,7 +1461,7 @@
     </p:spTree>
     <p:extLst>
       <p:ext uri="{BB962C8B-B14F-4D97-AF65-F5344CB8AC3E}">
-        <p14:creationId xmlns:p14="http://schemas.microsoft.com/office/powerpoint/2010/main" val="2363273916"/>
+        <p14:creationId xmlns:p14="http://schemas.microsoft.com/office/powerpoint/2010/main" val="822444611"/>
       </p:ext>
     </p:extLst>
   </p:cSld>
@@ -1493,7 +1493,7 @@
           <p:cNvPr id="2" name="标题 1">
             <a:extLst>
               <a:ext uri="{FF2B5EF4-FFF2-40B4-BE49-F238E27FC236}">
-                <a16:creationId xmlns:a16="http://schemas.microsoft.com/office/drawing/2014/main" id="{6265EB21-57F6-ADB3-170E-016E81AF5C98}"/>
+                <a16:creationId xmlns:a16="http://schemas.microsoft.com/office/drawing/2014/main" id="{53E2B738-EAE2-9061-E06B-B8A23C59DC33}"/>
               </a:ext>
             </a:extLst>
           </p:cNvPr>
@@ -1526,7 +1526,7 @@
           <p:cNvPr id="3" name="文本占位符 2">
             <a:extLst>
               <a:ext uri="{FF2B5EF4-FFF2-40B4-BE49-F238E27FC236}">
-                <a16:creationId xmlns:a16="http://schemas.microsoft.com/office/drawing/2014/main" id="{25E19009-1F95-07C6-ECAE-2B5B6C44E45A}"/>
+                <a16:creationId xmlns:a16="http://schemas.microsoft.com/office/drawing/2014/main" id="{7A48B4DC-9664-41C1-D684-AFF31D5FA17D}"/>
               </a:ext>
             </a:extLst>
           </p:cNvPr>
@@ -1597,7 +1597,7 @@
           <p:cNvPr id="4" name="内容占位符 3">
             <a:extLst>
               <a:ext uri="{FF2B5EF4-FFF2-40B4-BE49-F238E27FC236}">
-                <a16:creationId xmlns:a16="http://schemas.microsoft.com/office/drawing/2014/main" id="{479C92F9-7248-735D-B7A7-BAD235682A72}"/>
+                <a16:creationId xmlns:a16="http://schemas.microsoft.com/office/drawing/2014/main" id="{A5049E48-7C5A-FAEE-1C44-3AC777BDE2E6}"/>
               </a:ext>
             </a:extLst>
           </p:cNvPr>
@@ -1659,7 +1659,7 @@
           <p:cNvPr id="5" name="文本占位符 4">
             <a:extLst>
               <a:ext uri="{FF2B5EF4-FFF2-40B4-BE49-F238E27FC236}">
-                <a16:creationId xmlns:a16="http://schemas.microsoft.com/office/drawing/2014/main" id="{C8053286-5838-23DD-A866-B029E3472E22}"/>
+                <a16:creationId xmlns:a16="http://schemas.microsoft.com/office/drawing/2014/main" id="{E217272C-B321-7482-AF1E-838742AD0882}"/>
               </a:ext>
             </a:extLst>
           </p:cNvPr>
@@ -1730,7 +1730,7 @@
           <p:cNvPr id="6" name="内容占位符 5">
             <a:extLst>
               <a:ext uri="{FF2B5EF4-FFF2-40B4-BE49-F238E27FC236}">
-                <a16:creationId xmlns:a16="http://schemas.microsoft.com/office/drawing/2014/main" id="{64C6EDBB-648B-C05D-866B-45713D08FB6E}"/>
+                <a16:creationId xmlns:a16="http://schemas.microsoft.com/office/drawing/2014/main" id="{092BE58F-EB57-0A71-303D-6393D0849FF4}"/>
               </a:ext>
             </a:extLst>
           </p:cNvPr>
@@ -1792,7 +1792,7 @@
           <p:cNvPr id="7" name="日期占位符 6">
             <a:extLst>
               <a:ext uri="{FF2B5EF4-FFF2-40B4-BE49-F238E27FC236}">
-                <a16:creationId xmlns:a16="http://schemas.microsoft.com/office/drawing/2014/main" id="{E9A595A8-7565-BA79-DE18-6689484FCFB2}"/>
+                <a16:creationId xmlns:a16="http://schemas.microsoft.com/office/drawing/2014/main" id="{52738F30-4E17-09AF-2AFD-4EFAB6A19ECB}"/>
               </a:ext>
             </a:extLst>
           </p:cNvPr>
@@ -1808,7 +1808,7 @@
           <a:bodyPr/>
           <a:lstStyle/>
           <a:p>
-            <a:fld id="{21B7CADE-1D0F-45F4-B385-B24C7E0DC205}" type="datetimeFigureOut">
+            <a:fld id="{795F9B1A-A308-425F-9D72-C1DC40B5A37B}" type="datetimeFigureOut">
               <a:rPr lang="zh-CN" altLang="en-US" smtClean="0"/>
               <a:t>2024/3/10</a:t>
             </a:fld>
@@ -1821,7 +1821,7 @@
           <p:cNvPr id="8" name="页脚占位符 7">
             <a:extLst>
               <a:ext uri="{FF2B5EF4-FFF2-40B4-BE49-F238E27FC236}">
-                <a16:creationId xmlns:a16="http://schemas.microsoft.com/office/drawing/2014/main" id="{31181CE9-6559-E570-665C-63D2832FCADC}"/>
+                <a16:creationId xmlns:a16="http://schemas.microsoft.com/office/drawing/2014/main" id="{6A35ACCC-E32B-8507-67CF-3F392B6246B8}"/>
               </a:ext>
             </a:extLst>
           </p:cNvPr>
@@ -1846,7 +1846,7 @@
           <p:cNvPr id="9" name="灯片编号占位符 8">
             <a:extLst>
               <a:ext uri="{FF2B5EF4-FFF2-40B4-BE49-F238E27FC236}">
-                <a16:creationId xmlns:a16="http://schemas.microsoft.com/office/drawing/2014/main" id="{B807A21E-CED1-D6FA-C079-657DD05C9A52}"/>
+                <a16:creationId xmlns:a16="http://schemas.microsoft.com/office/drawing/2014/main" id="{0B5D4752-2205-8195-5044-B835875E8B8E}"/>
               </a:ext>
             </a:extLst>
           </p:cNvPr>
@@ -1862,7 +1862,7 @@
           <a:bodyPr/>
           <a:lstStyle/>
           <a:p>
-            <a:fld id="{710D71B9-93ED-4825-A76A-19955639E3F6}" type="slidenum">
+            <a:fld id="{65253451-FFDD-4E34-BA91-37B4EA14E19B}" type="slidenum">
               <a:rPr lang="zh-CN" altLang="en-US" smtClean="0"/>
               <a:t>‹#›</a:t>
             </a:fld>
@@ -1873,7 +1873,7 @@
     </p:spTree>
     <p:extLst>
       <p:ext uri="{BB962C8B-B14F-4D97-AF65-F5344CB8AC3E}">
-        <p14:creationId xmlns:p14="http://schemas.microsoft.com/office/powerpoint/2010/main" val="2097317237"/>
+        <p14:creationId xmlns:p14="http://schemas.microsoft.com/office/powerpoint/2010/main" val="2295701311"/>
       </p:ext>
     </p:extLst>
   </p:cSld>
@@ -1905,7 +1905,7 @@
           <p:cNvPr id="2" name="标题 1">
             <a:extLst>
               <a:ext uri="{FF2B5EF4-FFF2-40B4-BE49-F238E27FC236}">
-                <a16:creationId xmlns:a16="http://schemas.microsoft.com/office/drawing/2014/main" id="{0EF8986D-005D-C44A-9403-55EC65275025}"/>
+                <a16:creationId xmlns:a16="http://schemas.microsoft.com/office/drawing/2014/main" id="{49948EA6-ADD4-C1DD-8122-AF3CD7BDF96D}"/>
               </a:ext>
             </a:extLst>
           </p:cNvPr>
@@ -1933,7 +1933,7 @@
           <p:cNvPr id="3" name="日期占位符 2">
             <a:extLst>
               <a:ext uri="{FF2B5EF4-FFF2-40B4-BE49-F238E27FC236}">
-                <a16:creationId xmlns:a16="http://schemas.microsoft.com/office/drawing/2014/main" id="{A5408DD2-F5E6-6D95-5983-E49942663F87}"/>
+                <a16:creationId xmlns:a16="http://schemas.microsoft.com/office/drawing/2014/main" id="{2FB0FD0F-3E63-95EA-31F0-73692EFC4634}"/>
               </a:ext>
             </a:extLst>
           </p:cNvPr>
@@ -1949,7 +1949,7 @@
           <a:bodyPr/>
           <a:lstStyle/>
           <a:p>
-            <a:fld id="{21B7CADE-1D0F-45F4-B385-B24C7E0DC205}" type="datetimeFigureOut">
+            <a:fld id="{795F9B1A-A308-425F-9D72-C1DC40B5A37B}" type="datetimeFigureOut">
               <a:rPr lang="zh-CN" altLang="en-US" smtClean="0"/>
               <a:t>2024/3/10</a:t>
             </a:fld>
@@ -1962,7 +1962,7 @@
           <p:cNvPr id="4" name="页脚占位符 3">
             <a:extLst>
               <a:ext uri="{FF2B5EF4-FFF2-40B4-BE49-F238E27FC236}">
-                <a16:creationId xmlns:a16="http://schemas.microsoft.com/office/drawing/2014/main" id="{92B06040-2BE6-A899-0761-95171275ED19}"/>
+                <a16:creationId xmlns:a16="http://schemas.microsoft.com/office/drawing/2014/main" id="{37EF6AEB-4FA8-C771-8054-D59361FA3B86}"/>
               </a:ext>
             </a:extLst>
           </p:cNvPr>
@@ -1987,7 +1987,7 @@
           <p:cNvPr id="5" name="灯片编号占位符 4">
             <a:extLst>
               <a:ext uri="{FF2B5EF4-FFF2-40B4-BE49-F238E27FC236}">
-                <a16:creationId xmlns:a16="http://schemas.microsoft.com/office/drawing/2014/main" id="{9BED4A78-520B-A8E0-339C-0AA13437A366}"/>
+                <a16:creationId xmlns:a16="http://schemas.microsoft.com/office/drawing/2014/main" id="{E8457497-7CE4-BC10-A958-A00FCED20D1B}"/>
               </a:ext>
             </a:extLst>
           </p:cNvPr>
@@ -2003,7 +2003,7 @@
           <a:bodyPr/>
           <a:lstStyle/>
           <a:p>
-            <a:fld id="{710D71B9-93ED-4825-A76A-19955639E3F6}" type="slidenum">
+            <a:fld id="{65253451-FFDD-4E34-BA91-37B4EA14E19B}" type="slidenum">
               <a:rPr lang="zh-CN" altLang="en-US" smtClean="0"/>
               <a:t>‹#›</a:t>
             </a:fld>
@@ -2014,7 +2014,7 @@
     </p:spTree>
     <p:extLst>
       <p:ext uri="{BB962C8B-B14F-4D97-AF65-F5344CB8AC3E}">
-        <p14:creationId xmlns:p14="http://schemas.microsoft.com/office/powerpoint/2010/main" val="2258947941"/>
+        <p14:creationId xmlns:p14="http://schemas.microsoft.com/office/powerpoint/2010/main" val="1586011944"/>
       </p:ext>
     </p:extLst>
   </p:cSld>
@@ -2046,7 +2046,7 @@
           <p:cNvPr id="2" name="日期占位符 1">
             <a:extLst>
               <a:ext uri="{FF2B5EF4-FFF2-40B4-BE49-F238E27FC236}">
-                <a16:creationId xmlns:a16="http://schemas.microsoft.com/office/drawing/2014/main" id="{0870E8A6-083E-F0CD-0EB8-731414AAFF3E}"/>
+                <a16:creationId xmlns:a16="http://schemas.microsoft.com/office/drawing/2014/main" id="{DF5D360D-26DB-A138-D526-564DC3F649A0}"/>
               </a:ext>
             </a:extLst>
           </p:cNvPr>
@@ -2062,7 +2062,7 @@
           <a:bodyPr/>
           <a:lstStyle/>
           <a:p>
-            <a:fld id="{21B7CADE-1D0F-45F4-B385-B24C7E0DC205}" type="datetimeFigureOut">
+            <a:fld id="{795F9B1A-A308-425F-9D72-C1DC40B5A37B}" type="datetimeFigureOut">
               <a:rPr lang="zh-CN" altLang="en-US" smtClean="0"/>
               <a:t>2024/3/10</a:t>
             </a:fld>
@@ -2075,7 +2075,7 @@
           <p:cNvPr id="3" name="页脚占位符 2">
             <a:extLst>
               <a:ext uri="{FF2B5EF4-FFF2-40B4-BE49-F238E27FC236}">
-                <a16:creationId xmlns:a16="http://schemas.microsoft.com/office/drawing/2014/main" id="{9C9F1EF0-E4DB-F9C4-0397-A2CD74A666E0}"/>
+                <a16:creationId xmlns:a16="http://schemas.microsoft.com/office/drawing/2014/main" id="{51378AFC-F289-2F7F-7371-3A3621BA51D0}"/>
               </a:ext>
             </a:extLst>
           </p:cNvPr>
@@ -2100,7 +2100,7 @@
           <p:cNvPr id="4" name="灯片编号占位符 3">
             <a:extLst>
               <a:ext uri="{FF2B5EF4-FFF2-40B4-BE49-F238E27FC236}">
-                <a16:creationId xmlns:a16="http://schemas.microsoft.com/office/drawing/2014/main" id="{4FF87D1D-8439-BA6D-7405-DC2A96C8A938}"/>
+                <a16:creationId xmlns:a16="http://schemas.microsoft.com/office/drawing/2014/main" id="{2DA6A9D0-E404-893B-6C3C-074BD4D53F13}"/>
               </a:ext>
             </a:extLst>
           </p:cNvPr>
@@ -2116,7 +2116,7 @@
           <a:bodyPr/>
           <a:lstStyle/>
           <a:p>
-            <a:fld id="{710D71B9-93ED-4825-A76A-19955639E3F6}" type="slidenum">
+            <a:fld id="{65253451-FFDD-4E34-BA91-37B4EA14E19B}" type="slidenum">
               <a:rPr lang="zh-CN" altLang="en-US" smtClean="0"/>
               <a:t>‹#›</a:t>
             </a:fld>
@@ -2127,7 +2127,7 @@
     </p:spTree>
     <p:extLst>
       <p:ext uri="{BB962C8B-B14F-4D97-AF65-F5344CB8AC3E}">
-        <p14:creationId xmlns:p14="http://schemas.microsoft.com/office/powerpoint/2010/main" val="3488777179"/>
+        <p14:creationId xmlns:p14="http://schemas.microsoft.com/office/powerpoint/2010/main" val="1387141933"/>
       </p:ext>
     </p:extLst>
   </p:cSld>
@@ -2159,7 +2159,7 @@
           <p:cNvPr id="2" name="标题 1">
             <a:extLst>
               <a:ext uri="{FF2B5EF4-FFF2-40B4-BE49-F238E27FC236}">
-                <a16:creationId xmlns:a16="http://schemas.microsoft.com/office/drawing/2014/main" id="{9BB0D4D7-DA28-7446-EE0F-3A2F42B1C9A8}"/>
+                <a16:creationId xmlns:a16="http://schemas.microsoft.com/office/drawing/2014/main" id="{6A812BCD-B0B0-5614-4FE6-0E1BA1110328}"/>
               </a:ext>
             </a:extLst>
           </p:cNvPr>
@@ -2196,7 +2196,7 @@
           <p:cNvPr id="3" name="内容占位符 2">
             <a:extLst>
               <a:ext uri="{FF2B5EF4-FFF2-40B4-BE49-F238E27FC236}">
-                <a16:creationId xmlns:a16="http://schemas.microsoft.com/office/drawing/2014/main" id="{CFD0A67C-FEF5-CC3E-ADF9-68BF09CAACFD}"/>
+                <a16:creationId xmlns:a16="http://schemas.microsoft.com/office/drawing/2014/main" id="{A102922F-2179-1702-20CF-671459DCC21A}"/>
               </a:ext>
             </a:extLst>
           </p:cNvPr>
@@ -2286,7 +2286,7 @@
           <p:cNvPr id="4" name="文本占位符 3">
             <a:extLst>
               <a:ext uri="{FF2B5EF4-FFF2-40B4-BE49-F238E27FC236}">
-                <a16:creationId xmlns:a16="http://schemas.microsoft.com/office/drawing/2014/main" id="{BF56AA10-A9B6-9BFD-B7D9-4D4CDDB646FA}"/>
+                <a16:creationId xmlns:a16="http://schemas.microsoft.com/office/drawing/2014/main" id="{77DA06FB-95DE-3436-8D32-EA30087692BD}"/>
               </a:ext>
             </a:extLst>
           </p:cNvPr>
@@ -2357,7 +2357,7 @@
           <p:cNvPr id="5" name="日期占位符 4">
             <a:extLst>
               <a:ext uri="{FF2B5EF4-FFF2-40B4-BE49-F238E27FC236}">
-                <a16:creationId xmlns:a16="http://schemas.microsoft.com/office/drawing/2014/main" id="{B02460BE-0AF1-5CFA-BE6F-D2DD24CD6491}"/>
+                <a16:creationId xmlns:a16="http://schemas.microsoft.com/office/drawing/2014/main" id="{27EF0707-70C9-9B8B-6B94-19A297C7B46E}"/>
               </a:ext>
             </a:extLst>
           </p:cNvPr>
@@ -2373,7 +2373,7 @@
           <a:bodyPr/>
           <a:lstStyle/>
           <a:p>
-            <a:fld id="{21B7CADE-1D0F-45F4-B385-B24C7E0DC205}" type="datetimeFigureOut">
+            <a:fld id="{795F9B1A-A308-425F-9D72-C1DC40B5A37B}" type="datetimeFigureOut">
               <a:rPr lang="zh-CN" altLang="en-US" smtClean="0"/>
               <a:t>2024/3/10</a:t>
             </a:fld>
@@ -2386,7 +2386,7 @@
           <p:cNvPr id="6" name="页脚占位符 5">
             <a:extLst>
               <a:ext uri="{FF2B5EF4-FFF2-40B4-BE49-F238E27FC236}">
-                <a16:creationId xmlns:a16="http://schemas.microsoft.com/office/drawing/2014/main" id="{6252849D-F92D-430E-4624-CE95FD133FE9}"/>
+                <a16:creationId xmlns:a16="http://schemas.microsoft.com/office/drawing/2014/main" id="{961A81A5-835F-5E60-39D7-4E100E336377}"/>
               </a:ext>
             </a:extLst>
           </p:cNvPr>
@@ -2411,7 +2411,7 @@
           <p:cNvPr id="7" name="灯片编号占位符 6">
             <a:extLst>
               <a:ext uri="{FF2B5EF4-FFF2-40B4-BE49-F238E27FC236}">
-                <a16:creationId xmlns:a16="http://schemas.microsoft.com/office/drawing/2014/main" id="{420D2DEC-2715-BC18-C13B-F12976BF4E07}"/>
+                <a16:creationId xmlns:a16="http://schemas.microsoft.com/office/drawing/2014/main" id="{C02E214A-70B6-6DBF-DDAA-FD4FFC244DBE}"/>
               </a:ext>
             </a:extLst>
           </p:cNvPr>
@@ -2427,7 +2427,7 @@
           <a:bodyPr/>
           <a:lstStyle/>
           <a:p>
-            <a:fld id="{710D71B9-93ED-4825-A76A-19955639E3F6}" type="slidenum">
+            <a:fld id="{65253451-FFDD-4E34-BA91-37B4EA14E19B}" type="slidenum">
               <a:rPr lang="zh-CN" altLang="en-US" smtClean="0"/>
               <a:t>‹#›</a:t>
             </a:fld>
@@ -2438,7 +2438,7 @@
     </p:spTree>
     <p:extLst>
       <p:ext uri="{BB962C8B-B14F-4D97-AF65-F5344CB8AC3E}">
-        <p14:creationId xmlns:p14="http://schemas.microsoft.com/office/powerpoint/2010/main" val="1829832321"/>
+        <p14:creationId xmlns:p14="http://schemas.microsoft.com/office/powerpoint/2010/main" val="1977024660"/>
       </p:ext>
     </p:extLst>
   </p:cSld>
@@ -2470,7 +2470,7 @@
           <p:cNvPr id="2" name="标题 1">
             <a:extLst>
               <a:ext uri="{FF2B5EF4-FFF2-40B4-BE49-F238E27FC236}">
-                <a16:creationId xmlns:a16="http://schemas.microsoft.com/office/drawing/2014/main" id="{4BDCA652-4A6C-0D9A-4338-215F3B9A4F84}"/>
+                <a16:creationId xmlns:a16="http://schemas.microsoft.com/office/drawing/2014/main" id="{1EF2627B-CE42-54A3-1C5A-EFDE65FC006B}"/>
               </a:ext>
             </a:extLst>
           </p:cNvPr>
@@ -2507,7 +2507,7 @@
           <p:cNvPr id="3" name="图片占位符 2">
             <a:extLst>
               <a:ext uri="{FF2B5EF4-FFF2-40B4-BE49-F238E27FC236}">
-                <a16:creationId xmlns:a16="http://schemas.microsoft.com/office/drawing/2014/main" id="{D1E83139-874D-F04D-805D-9629F3AD2BE2}"/>
+                <a16:creationId xmlns:a16="http://schemas.microsoft.com/office/drawing/2014/main" id="{71A119C0-D08A-B2A9-9F9C-45302B0A3A42}"/>
               </a:ext>
             </a:extLst>
           </p:cNvPr>
@@ -2574,7 +2574,7 @@
           <p:cNvPr id="4" name="文本占位符 3">
             <a:extLst>
               <a:ext uri="{FF2B5EF4-FFF2-40B4-BE49-F238E27FC236}">
-                <a16:creationId xmlns:a16="http://schemas.microsoft.com/office/drawing/2014/main" id="{FFC41AFF-70DC-2459-D92A-0C22CE8E2BCB}"/>
+                <a16:creationId xmlns:a16="http://schemas.microsoft.com/office/drawing/2014/main" id="{40B7A619-5B5A-D29B-F532-CDCFAA45F3DA}"/>
               </a:ext>
             </a:extLst>
           </p:cNvPr>
@@ -2645,7 +2645,7 @@
           <p:cNvPr id="5" name="日期占位符 4">
             <a:extLst>
               <a:ext uri="{FF2B5EF4-FFF2-40B4-BE49-F238E27FC236}">
-                <a16:creationId xmlns:a16="http://schemas.microsoft.com/office/drawing/2014/main" id="{E02826FE-1180-9F53-063B-92AFA2059BA4}"/>
+                <a16:creationId xmlns:a16="http://schemas.microsoft.com/office/drawing/2014/main" id="{E5D4C5CE-203D-599B-5685-9EA497F671C4}"/>
               </a:ext>
             </a:extLst>
           </p:cNvPr>
@@ -2661,7 +2661,7 @@
           <a:bodyPr/>
           <a:lstStyle/>
           <a:p>
-            <a:fld id="{21B7CADE-1D0F-45F4-B385-B24C7E0DC205}" type="datetimeFigureOut">
+            <a:fld id="{795F9B1A-A308-425F-9D72-C1DC40B5A37B}" type="datetimeFigureOut">
               <a:rPr lang="zh-CN" altLang="en-US" smtClean="0"/>
               <a:t>2024/3/10</a:t>
             </a:fld>
@@ -2674,7 +2674,7 @@
           <p:cNvPr id="6" name="页脚占位符 5">
             <a:extLst>
               <a:ext uri="{FF2B5EF4-FFF2-40B4-BE49-F238E27FC236}">
-                <a16:creationId xmlns:a16="http://schemas.microsoft.com/office/drawing/2014/main" id="{18E8F1D0-2DBD-4B8F-D0B7-F2D908D4C455}"/>
+                <a16:creationId xmlns:a16="http://schemas.microsoft.com/office/drawing/2014/main" id="{3F1C731B-4D1C-E5A3-D3CC-99B7ED0163F7}"/>
               </a:ext>
             </a:extLst>
           </p:cNvPr>
@@ -2699,7 +2699,7 @@
           <p:cNvPr id="7" name="灯片编号占位符 6">
             <a:extLst>
               <a:ext uri="{FF2B5EF4-FFF2-40B4-BE49-F238E27FC236}">
-                <a16:creationId xmlns:a16="http://schemas.microsoft.com/office/drawing/2014/main" id="{E21A2A75-7219-4092-FD85-12598AAEA90A}"/>
+                <a16:creationId xmlns:a16="http://schemas.microsoft.com/office/drawing/2014/main" id="{A711A4B4-D1FC-0957-C4B1-5C5312D9328F}"/>
               </a:ext>
             </a:extLst>
           </p:cNvPr>
@@ -2715,7 +2715,7 @@
           <a:bodyPr/>
           <a:lstStyle/>
           <a:p>
-            <a:fld id="{710D71B9-93ED-4825-A76A-19955639E3F6}" type="slidenum">
+            <a:fld id="{65253451-FFDD-4E34-BA91-37B4EA14E19B}" type="slidenum">
               <a:rPr lang="zh-CN" altLang="en-US" smtClean="0"/>
               <a:t>‹#›</a:t>
             </a:fld>
@@ -2726,7 +2726,7 @@
     </p:spTree>
     <p:extLst>
       <p:ext uri="{BB962C8B-B14F-4D97-AF65-F5344CB8AC3E}">
-        <p14:creationId xmlns:p14="http://schemas.microsoft.com/office/powerpoint/2010/main" val="4032019641"/>
+        <p14:creationId xmlns:p14="http://schemas.microsoft.com/office/powerpoint/2010/main" val="3039012915"/>
       </p:ext>
     </p:extLst>
   </p:cSld>
@@ -2763,7 +2763,7 @@
           <p:cNvPr id="2" name="标题占位符 1">
             <a:extLst>
               <a:ext uri="{FF2B5EF4-FFF2-40B4-BE49-F238E27FC236}">
-                <a16:creationId xmlns:a16="http://schemas.microsoft.com/office/drawing/2014/main" id="{89EF7A20-D213-0FC4-B004-BE189A13763F}"/>
+                <a16:creationId xmlns:a16="http://schemas.microsoft.com/office/drawing/2014/main" id="{4879B2BA-715C-5320-E2D7-541F18BEB61F}"/>
               </a:ext>
             </a:extLst>
           </p:cNvPr>
@@ -2801,7 +2801,7 @@
           <p:cNvPr id="3" name="文本占位符 2">
             <a:extLst>
               <a:ext uri="{FF2B5EF4-FFF2-40B4-BE49-F238E27FC236}">
-                <a16:creationId xmlns:a16="http://schemas.microsoft.com/office/drawing/2014/main" id="{5F457A56-8160-0383-6769-1AC5CEDC6A02}"/>
+                <a16:creationId xmlns:a16="http://schemas.microsoft.com/office/drawing/2014/main" id="{0AE0748F-1073-C59E-8242-F554DD38CD3A}"/>
               </a:ext>
             </a:extLst>
           </p:cNvPr>
@@ -2868,7 +2868,7 @@
           <p:cNvPr id="4" name="日期占位符 3">
             <a:extLst>
               <a:ext uri="{FF2B5EF4-FFF2-40B4-BE49-F238E27FC236}">
-                <a16:creationId xmlns:a16="http://schemas.microsoft.com/office/drawing/2014/main" id="{919680E1-CADB-DCFD-99F8-B0A250C84AF4}"/>
+                <a16:creationId xmlns:a16="http://schemas.microsoft.com/office/drawing/2014/main" id="{A6AE21EE-5E45-4575-ED14-1232B985A908}"/>
               </a:ext>
             </a:extLst>
           </p:cNvPr>
@@ -2902,7 +2902,7 @@
             </a:lvl1pPr>
           </a:lstStyle>
           <a:p>
-            <a:fld id="{21B7CADE-1D0F-45F4-B385-B24C7E0DC205}" type="datetimeFigureOut">
+            <a:fld id="{795F9B1A-A308-425F-9D72-C1DC40B5A37B}" type="datetimeFigureOut">
               <a:rPr lang="zh-CN" altLang="en-US" smtClean="0"/>
               <a:t>2024/3/10</a:t>
             </a:fld>
@@ -2915,7 +2915,7 @@
           <p:cNvPr id="5" name="页脚占位符 4">
             <a:extLst>
               <a:ext uri="{FF2B5EF4-FFF2-40B4-BE49-F238E27FC236}">
-                <a16:creationId xmlns:a16="http://schemas.microsoft.com/office/drawing/2014/main" id="{C4AEFC60-5EC6-8C4C-0A7F-1A8A1AA5E55C}"/>
+                <a16:creationId xmlns:a16="http://schemas.microsoft.com/office/drawing/2014/main" id="{94FAF337-1BB6-0CB7-2DB6-EA4C665FFEF1}"/>
               </a:ext>
             </a:extLst>
           </p:cNvPr>
@@ -2958,7 +2958,7 @@
           <p:cNvPr id="6" name="灯片编号占位符 5">
             <a:extLst>
               <a:ext uri="{FF2B5EF4-FFF2-40B4-BE49-F238E27FC236}">
-                <a16:creationId xmlns:a16="http://schemas.microsoft.com/office/drawing/2014/main" id="{69BA13E7-B6AA-E383-02BC-F0939A06559E}"/>
+                <a16:creationId xmlns:a16="http://schemas.microsoft.com/office/drawing/2014/main" id="{1B126408-D124-763C-8EBF-3492F60E4004}"/>
               </a:ext>
             </a:extLst>
           </p:cNvPr>
@@ -2992,7 +2992,7 @@
             </a:lvl1pPr>
           </a:lstStyle>
           <a:p>
-            <a:fld id="{710D71B9-93ED-4825-A76A-19955639E3F6}" type="slidenum">
+            <a:fld id="{65253451-FFDD-4E34-BA91-37B4EA14E19B}" type="slidenum">
               <a:rPr lang="zh-CN" altLang="en-US" smtClean="0"/>
               <a:t>‹#›</a:t>
             </a:fld>
@@ -3003,7 +3003,7 @@
     </p:spTree>
     <p:extLst>
       <p:ext uri="{BB962C8B-B14F-4D97-AF65-F5344CB8AC3E}">
-        <p14:creationId xmlns:p14="http://schemas.microsoft.com/office/powerpoint/2010/main" val="3637643166"/>
+        <p14:creationId xmlns:p14="http://schemas.microsoft.com/office/powerpoint/2010/main" val="2843817553"/>
       </p:ext>
     </p:extLst>
   </p:cSld>
